--- a/trunk/preliminary/Working/presentations/Implementation_of_ProDrive_Model.pptx
+++ b/trunk/preliminary/Working/presentations/Implementation_of_ProDrive_Model.pptx
@@ -849,7 +849,7 @@
           <a:p>
             <a:fld id="{48DB42D1-2EAC-4B00-930C-88285C99702C}" type="datetimeFigureOut">
               <a:rPr lang="en-US" smtClean="0"/>
-              <a:t>10/1/2014</a:t>
+              <a:t>10/2/2014</a:t>
             </a:fld>
             <a:endParaRPr lang="en-US" dirty="0"/>
           </a:p>
@@ -1019,7 +1019,7 @@
           <a:p>
             <a:fld id="{48DB42D1-2EAC-4B00-930C-88285C99702C}" type="datetimeFigureOut">
               <a:rPr lang="en-US" smtClean="0"/>
-              <a:t>10/1/2014</a:t>
+              <a:t>10/2/2014</a:t>
             </a:fld>
             <a:endParaRPr lang="en-US" dirty="0"/>
           </a:p>
@@ -1199,7 +1199,7 @@
           <a:p>
             <a:fld id="{48DB42D1-2EAC-4B00-930C-88285C99702C}" type="datetimeFigureOut">
               <a:rPr lang="en-US" smtClean="0"/>
-              <a:t>10/1/2014</a:t>
+              <a:t>10/2/2014</a:t>
             </a:fld>
             <a:endParaRPr lang="en-US" dirty="0"/>
           </a:p>
@@ -1369,7 +1369,7 @@
           <a:p>
             <a:fld id="{48DB42D1-2EAC-4B00-930C-88285C99702C}" type="datetimeFigureOut">
               <a:rPr lang="en-US" smtClean="0"/>
-              <a:t>10/1/2014</a:t>
+              <a:t>10/2/2014</a:t>
             </a:fld>
             <a:endParaRPr lang="en-US" dirty="0"/>
           </a:p>
@@ -1615,7 +1615,7 @@
           <a:p>
             <a:fld id="{48DB42D1-2EAC-4B00-930C-88285C99702C}" type="datetimeFigureOut">
               <a:rPr lang="en-US" smtClean="0"/>
-              <a:t>10/1/2014</a:t>
+              <a:t>10/2/2014</a:t>
             </a:fld>
             <a:endParaRPr lang="en-US" dirty="0"/>
           </a:p>
@@ -1903,7 +1903,7 @@
           <a:p>
             <a:fld id="{48DB42D1-2EAC-4B00-930C-88285C99702C}" type="datetimeFigureOut">
               <a:rPr lang="en-US" smtClean="0"/>
-              <a:t>10/1/2014</a:t>
+              <a:t>10/2/2014</a:t>
             </a:fld>
             <a:endParaRPr lang="en-US" dirty="0"/>
           </a:p>
@@ -2325,7 +2325,7 @@
           <a:p>
             <a:fld id="{48DB42D1-2EAC-4B00-930C-88285C99702C}" type="datetimeFigureOut">
               <a:rPr lang="en-US" smtClean="0"/>
-              <a:t>10/1/2014</a:t>
+              <a:t>10/2/2014</a:t>
             </a:fld>
             <a:endParaRPr lang="en-US" dirty="0"/>
           </a:p>
@@ -2443,7 +2443,7 @@
           <a:p>
             <a:fld id="{48DB42D1-2EAC-4B00-930C-88285C99702C}" type="datetimeFigureOut">
               <a:rPr lang="en-US" smtClean="0"/>
-              <a:t>10/1/2014</a:t>
+              <a:t>10/2/2014</a:t>
             </a:fld>
             <a:endParaRPr lang="en-US" dirty="0"/>
           </a:p>
@@ -2538,7 +2538,7 @@
           <a:p>
             <a:fld id="{48DB42D1-2EAC-4B00-930C-88285C99702C}" type="datetimeFigureOut">
               <a:rPr lang="en-US" smtClean="0"/>
-              <a:t>10/1/2014</a:t>
+              <a:t>10/2/2014</a:t>
             </a:fld>
             <a:endParaRPr lang="en-US" dirty="0"/>
           </a:p>
@@ -2815,7 +2815,7 @@
           <a:p>
             <a:fld id="{48DB42D1-2EAC-4B00-930C-88285C99702C}" type="datetimeFigureOut">
               <a:rPr lang="en-US" smtClean="0"/>
-              <a:t>10/1/2014</a:t>
+              <a:t>10/2/2014</a:t>
             </a:fld>
             <a:endParaRPr lang="en-US" dirty="0"/>
           </a:p>
@@ -3068,7 +3068,7 @@
           <a:p>
             <a:fld id="{48DB42D1-2EAC-4B00-930C-88285C99702C}" type="datetimeFigureOut">
               <a:rPr lang="en-US" smtClean="0"/>
-              <a:t>10/1/2014</a:t>
+              <a:t>10/2/2014</a:t>
             </a:fld>
             <a:endParaRPr lang="en-US" dirty="0"/>
           </a:p>
@@ -3281,7 +3281,7 @@
           <a:p>
             <a:fld id="{48DB42D1-2EAC-4B00-930C-88285C99702C}" type="datetimeFigureOut">
               <a:rPr lang="en-US" smtClean="0"/>
-              <a:t>10/1/2014</a:t>
+              <a:t>10/2/2014</a:t>
             </a:fld>
             <a:endParaRPr lang="en-US" dirty="0"/>
           </a:p>
@@ -3680,7 +3680,15 @@
           <a:p>
             <a:r>
               <a:rPr lang="en-US" dirty="0" smtClean="0"/>
-              <a:t>Implementation of AMAT/ProDrive Model </a:t>
+              <a:t>Implementation of </a:t>
+            </a:r>
+            <a:r>
+              <a:rPr lang="en-US" dirty="0" smtClean="0"/>
+              <a:t>ProDrive </a:t>
+            </a:r>
+            <a:r>
+              <a:rPr lang="en-US" dirty="0" smtClean="0"/>
+              <a:t>Model </a:t>
             </a:r>
             <a:endParaRPr lang="en-US" dirty="0"/>
           </a:p>
@@ -3815,11 +3823,7 @@
             </a:pPr>
             <a:r>
               <a:rPr lang="en-US" dirty="0" smtClean="0"/>
-              <a:t>At the </a:t>
-            </a:r>
-            <a:r>
-              <a:rPr lang="en-US" dirty="0" smtClean="0"/>
-              <a:t>completion of the transfer the DSP send a message to the thread</a:t>
+              <a:t>At the completion of the transfer the DSP send a message to the thread</a:t>
             </a:r>
           </a:p>
           <a:p>
@@ -3831,7 +3835,6 @@
               <a:rPr lang="en-US" dirty="0" smtClean="0"/>
               <a:t>MPAX and Hyperlink configuration will be discuss later</a:t>
             </a:r>
-            <a:endParaRPr lang="en-US" dirty="0" smtClean="0"/>
           </a:p>
           <a:p>
             <a:pPr marL="342900" indent="-342900">
@@ -3863,7 +3866,7 @@
           <a:graphicData uri="http://schemas.openxmlformats.org/presentationml/2006/ole">
             <mc:AlternateContent xmlns:mc="http://schemas.openxmlformats.org/markup-compatibility/2006">
               <mc:Choice xmlns:v="urn:schemas-microsoft-com:vml" Requires="v">
-                <p:oleObj spid="_x0000_s7176" name="Visio" r:id="rId3" imgW="6225484" imgH="5667443" progId="Visio.Drawing.11">
+                <p:oleObj spid="_x0000_s7178" name="Visio" r:id="rId3" imgW="6225484" imgH="5667443" progId="Visio.Drawing.11">
                   <p:embed/>
                 </p:oleObj>
               </mc:Choice>
@@ -4045,7 +4048,7 @@
           <a:graphicData uri="http://schemas.openxmlformats.org/presentationml/2006/ole">
             <mc:AlternateContent xmlns:mc="http://schemas.openxmlformats.org/markup-compatibility/2006">
               <mc:Choice xmlns:v="urn:schemas-microsoft-com:vml" Requires="v">
-                <p:oleObj spid="_x0000_s5130" name="Visio" r:id="rId3" imgW="4269451" imgH="5385611" progId="Visio.Drawing.11">
+                <p:oleObj spid="_x0000_s5132" name="Visio" r:id="rId3" imgW="4269451" imgH="5385611" progId="Visio.Drawing.11">
                   <p:embed/>
                 </p:oleObj>
               </mc:Choice>
@@ -4254,7 +4257,7 @@
           <a:graphicData uri="http://schemas.openxmlformats.org/presentationml/2006/ole">
             <mc:AlternateContent xmlns:mc="http://schemas.openxmlformats.org/markup-compatibility/2006">
               <mc:Choice xmlns:v="urn:schemas-microsoft-com:vml" Requires="v">
-                <p:oleObj spid="_x0000_s8202" name="Visio" r:id="rId3" imgW="8557001" imgH="3939432" progId="Visio.Drawing.11">
+                <p:oleObj spid="_x0000_s8204" name="Visio" r:id="rId3" imgW="8557001" imgH="3939432" progId="Visio.Drawing.11">
                   <p:embed/>
                 </p:oleObj>
               </mc:Choice>
@@ -4398,7 +4401,6 @@
               <a:rPr lang="en-US" sz="1400" dirty="0" smtClean="0"/>
               <a:t>Logical scratch address is managed by the ARM thread and is used for post processing (post mortem) </a:t>
             </a:r>
-            <a:endParaRPr lang="en-US" sz="1400" dirty="0" smtClean="0"/>
           </a:p>
         </p:txBody>
       </p:sp>
@@ -4424,7 +4426,7 @@
           <a:graphicData uri="http://schemas.openxmlformats.org/presentationml/2006/ole">
             <mc:AlternateContent xmlns:mc="http://schemas.openxmlformats.org/markup-compatibility/2006">
               <mc:Choice xmlns:v="urn:schemas-microsoft-com:vml" Requires="v">
-                <p:oleObj spid="_x0000_s9223" name="Visio" r:id="rId3" imgW="5996681" imgH="4282332" progId="Visio.Drawing.11">
+                <p:oleObj spid="_x0000_s9225" name="Visio" r:id="rId3" imgW="5996681" imgH="4282332" progId="Visio.Drawing.11">
                   <p:embed/>
                 </p:oleObj>
               </mc:Choice>
@@ -4552,7 +4554,7 @@
           <a:graphicData uri="http://schemas.openxmlformats.org/presentationml/2006/ole">
             <mc:AlternateContent xmlns:mc="http://schemas.openxmlformats.org/markup-compatibility/2006">
               <mc:Choice xmlns:v="urn:schemas-microsoft-com:vml" Requires="v">
-                <p:oleObj spid="_x0000_s10249" name="Visio" r:id="rId3" imgW="5996681" imgH="4968132" progId="Visio.Drawing.11">
+                <p:oleObj spid="_x0000_s10251" name="Visio" r:id="rId3" imgW="5996681" imgH="4968132" progId="Visio.Drawing.11">
                   <p:embed/>
                 </p:oleObj>
               </mc:Choice>
@@ -4680,7 +4682,7 @@
           <a:graphicData uri="http://schemas.openxmlformats.org/presentationml/2006/ole">
             <mc:AlternateContent xmlns:mc="http://schemas.openxmlformats.org/markup-compatibility/2006">
               <mc:Choice xmlns:v="urn:schemas-microsoft-com:vml" Requires="v">
-                <p:oleObj spid="_x0000_s11270" name="Visio" r:id="rId3" imgW="5196817" imgH="4739532" progId="Visio.Drawing.11">
+                <p:oleObj spid="_x0000_s11272" name="Visio" r:id="rId3" imgW="5196817" imgH="4739532" progId="Visio.Drawing.11">
                   <p:embed/>
                 </p:oleObj>
               </mc:Choice>
@@ -4809,58 +4811,23 @@
             </a:r>
           </a:p>
           <a:p>
-            <a:pPr lvl="1"/>
-            <a:r>
-              <a:rPr lang="en-US" sz="2400" dirty="0" smtClean="0"/>
-              <a:t>Shannon DDR Partition</a:t>
-            </a:r>
-          </a:p>
-          <a:p>
-            <a:pPr lvl="1"/>
-            <a:r>
-              <a:rPr lang="en-US" sz="2400" dirty="0" smtClean="0"/>
-              <a:t>Shannon DSP Core copy considerations</a:t>
-            </a:r>
-            <a:endParaRPr lang="en-US" sz="2400" dirty="0" smtClean="0"/>
-          </a:p>
-          <a:p>
-            <a:pPr lvl="1"/>
-            <a:r>
-              <a:rPr lang="en-US" sz="2400" dirty="0" smtClean="0"/>
-              <a:t>Shannon Cores MPAX configuration</a:t>
-            </a:r>
-          </a:p>
-          <a:p>
-            <a:pPr lvl="1"/>
-            <a:r>
-              <a:rPr lang="en-US" sz="2400" dirty="0" smtClean="0"/>
-              <a:t>Hyperlink look-up table configuration</a:t>
-            </a:r>
-          </a:p>
-          <a:p>
             <a:r>
               <a:rPr lang="en-US" sz="2800" dirty="0" smtClean="0"/>
-              <a:t>66AK2H12 Configuration</a:t>
-            </a:r>
-          </a:p>
-          <a:p>
-            <a:pPr lvl="1"/>
-            <a:r>
-              <a:rPr lang="en-US" sz="2400" dirty="0" smtClean="0"/>
-              <a:t>Memory management</a:t>
-            </a:r>
-          </a:p>
-          <a:p>
-            <a:pPr lvl="1"/>
-            <a:r>
-              <a:rPr lang="en-US" sz="2400" dirty="0" smtClean="0"/>
-              <a:t>MPAX configuration</a:t>
-            </a:r>
-          </a:p>
-          <a:p>
+              <a:t>66AK2H12 </a:t>
+            </a:r>
             <a:r>
               <a:rPr lang="en-US" sz="2800" dirty="0" smtClean="0"/>
-              <a:t>Implementation pseudo Code </a:t>
+              <a:t>Configuration</a:t>
+            </a:r>
+          </a:p>
+          <a:p>
+            <a:r>
+              <a:rPr lang="en-US" sz="2800" dirty="0" smtClean="0"/>
+              <a:t>Implementation </a:t>
+            </a:r>
+            <a:r>
+              <a:rPr lang="en-US" sz="2800" dirty="0" smtClean="0"/>
+              <a:t>pseudo Code </a:t>
             </a:r>
           </a:p>
           <a:p>
@@ -5013,7 +4980,7 @@
           <a:graphicData uri="http://schemas.openxmlformats.org/presentationml/2006/ole">
             <mc:AlternateContent xmlns:mc="http://schemas.openxmlformats.org/markup-compatibility/2006">
               <mc:Choice xmlns:v="urn:schemas-microsoft-com:vml" Requires="v">
-                <p:oleObj spid="_x0000_s12296" name="Visio" r:id="rId3" imgW="8493250" imgH="6892857" progId="Visio.Drawing.11">
+                <p:oleObj spid="_x0000_s12298" name="Visio" r:id="rId3" imgW="8493250" imgH="6892857" progId="Visio.Drawing.11">
                   <p:embed/>
                 </p:oleObj>
               </mc:Choice>
@@ -7492,58 +7459,23 @@
             </a:r>
           </a:p>
           <a:p>
-            <a:pPr lvl="1"/>
-            <a:r>
-              <a:rPr lang="en-US" sz="2400" dirty="0" smtClean="0"/>
-              <a:t>Shannon DDR Partition</a:t>
-            </a:r>
-          </a:p>
-          <a:p>
-            <a:pPr lvl="1"/>
-            <a:r>
-              <a:rPr lang="en-US" sz="2400" dirty="0" smtClean="0"/>
-              <a:t>Shannon DSP Core copy considerations</a:t>
-            </a:r>
-            <a:endParaRPr lang="en-US" sz="2400" dirty="0" smtClean="0"/>
-          </a:p>
-          <a:p>
-            <a:pPr lvl="1"/>
-            <a:r>
-              <a:rPr lang="en-US" sz="2400" dirty="0" smtClean="0"/>
-              <a:t>Shannon Cores MPAX configuration</a:t>
-            </a:r>
-          </a:p>
-          <a:p>
-            <a:pPr lvl="1"/>
-            <a:r>
-              <a:rPr lang="en-US" sz="2400" dirty="0" smtClean="0"/>
-              <a:t>Hyperlink look-up table configuration</a:t>
-            </a:r>
-          </a:p>
-          <a:p>
             <a:r>
               <a:rPr lang="en-US" sz="2800" dirty="0" smtClean="0"/>
-              <a:t>66AK2H12 Configuration</a:t>
-            </a:r>
-          </a:p>
-          <a:p>
-            <a:pPr lvl="1"/>
-            <a:r>
-              <a:rPr lang="en-US" sz="2400" dirty="0" smtClean="0"/>
-              <a:t>Memory management</a:t>
-            </a:r>
-          </a:p>
-          <a:p>
-            <a:pPr lvl="1"/>
-            <a:r>
-              <a:rPr lang="en-US" sz="2400" dirty="0" smtClean="0"/>
-              <a:t>MPAX configuration</a:t>
-            </a:r>
-          </a:p>
-          <a:p>
+              <a:t>66AK2H12 </a:t>
+            </a:r>
             <a:r>
               <a:rPr lang="en-US" sz="2800" dirty="0" smtClean="0"/>
-              <a:t>Implementation pseudo Code </a:t>
+              <a:t>Configuration</a:t>
+            </a:r>
+          </a:p>
+          <a:p>
+            <a:r>
+              <a:rPr lang="en-US" sz="2800" smtClean="0"/>
+              <a:t>Implementation </a:t>
+            </a:r>
+            <a:r>
+              <a:rPr lang="en-US" sz="2800" dirty="0" smtClean="0"/>
+              <a:t>pseudo Code </a:t>
             </a:r>
           </a:p>
           <a:p>
@@ -7690,7 +7622,7 @@
         </p:nvGraphicFramePr>
         <p:xfrm>
           <a:off x="1066800" y="2209800"/>
-          <a:ext cx="6069330" cy="2870454"/>
+          <a:ext cx="6069330" cy="2944368"/>
         </p:xfrm>
         <a:graphic>
           <a:graphicData uri="http://schemas.openxmlformats.org/drawingml/2006/table">
@@ -8953,7 +8885,7 @@
         </p:nvGraphicFramePr>
         <p:xfrm>
           <a:off x="1371600" y="2514600"/>
-          <a:ext cx="6069330" cy="3080766"/>
+          <a:ext cx="6069330" cy="3154680"/>
         </p:xfrm>
         <a:graphic>
           <a:graphicData uri="http://schemas.openxmlformats.org/drawingml/2006/table">
@@ -10943,7 +10875,7 @@
           <a:graphicData uri="http://schemas.openxmlformats.org/presentationml/2006/ole">
             <mc:AlternateContent xmlns:mc="http://schemas.openxmlformats.org/markup-compatibility/2006">
               <mc:Choice xmlns:v="urn:schemas-microsoft-com:vml" Requires="v">
-                <p:oleObj spid="_x0000_s16387" name="Visio" r:id="rId3" imgW="8659652" imgH="4610370" progId="Visio.Drawing.11">
+                <p:oleObj spid="_x0000_s16389" name="Visio" r:id="rId3" imgW="8659652" imgH="4610370" progId="Visio.Drawing.11">
                   <p:embed/>
                 </p:oleObj>
               </mc:Choice>
@@ -15130,10 +15062,6 @@
               </a:rPr>
               <a:t>Register Configuration</a:t>
             </a:r>
-            <a:endParaRPr lang="en-US" sz="2000" b="1" dirty="0" smtClean="0">
-              <a:latin typeface="+mn-lt"/>
-              <a:cs typeface="Arial"/>
-            </a:endParaRPr>
           </a:p>
           <a:p>
             <a:pPr marL="342900" indent="-342900">
@@ -15303,7 +15231,7 @@
           <a:graphicData uri="http://schemas.openxmlformats.org/presentationml/2006/ole">
             <mc:AlternateContent xmlns:mc="http://schemas.openxmlformats.org/markup-compatibility/2006">
               <mc:Choice xmlns:v="urn:schemas-microsoft-com:vml" Requires="v">
-                <p:oleObj spid="_x0000_s2056" name="Visio" r:id="rId3" imgW="7139884" imgH="6644802" progId="Visio.Drawing.11">
+                <p:oleObj spid="_x0000_s2058" name="Visio" r:id="rId3" imgW="7139884" imgH="6644802" progId="Visio.Drawing.11">
                   <p:embed/>
                 </p:oleObj>
               </mc:Choice>
@@ -20680,7 +20608,7 @@
           <a:graphicData uri="http://schemas.openxmlformats.org/presentationml/2006/ole">
             <mc:AlternateContent xmlns:mc="http://schemas.openxmlformats.org/markup-compatibility/2006">
               <mc:Choice xmlns:v="urn:schemas-microsoft-com:vml" Requires="v">
-                <p:oleObj spid="_x0000_s1034" name="Visio" r:id="rId3" imgW="7265225" imgH="6664257" progId="Visio.Drawing.11">
+                <p:oleObj spid="_x0000_s1036" name="Visio" r:id="rId3" imgW="7265225" imgH="6664257" progId="Visio.Drawing.11">
                   <p:embed/>
                 </p:oleObj>
               </mc:Choice>
@@ -21140,7 +21068,7 @@
           <a:graphicData uri="http://schemas.openxmlformats.org/presentationml/2006/ole">
             <mc:AlternateContent xmlns:mc="http://schemas.openxmlformats.org/markup-compatibility/2006">
               <mc:Choice xmlns:v="urn:schemas-microsoft-com:vml" Requires="v">
-                <p:oleObj spid="_x0000_s3082" name="Visio" r:id="rId3" imgW="7265225" imgH="6664257" progId="Visio.Drawing.11">
+                <p:oleObj spid="_x0000_s3084" name="Visio" r:id="rId3" imgW="7265225" imgH="6664257" progId="Visio.Drawing.11">
                   <p:embed/>
                 </p:oleObj>
               </mc:Choice>
@@ -21229,15 +21157,7 @@
           <a:p>
             <a:r>
               <a:rPr lang="en-US" sz="3600" dirty="0" smtClean="0"/>
-              <a:t>IPC over Hyperlink - </a:t>
-            </a:r>
-            <a:r>
-              <a:rPr lang="en-US" sz="3600" dirty="0" smtClean="0"/>
-              <a:t>Simple </a:t>
-            </a:r>
-            <a:r>
-              <a:rPr lang="en-US" sz="3600" dirty="0" smtClean="0"/>
-              <a:t>Model </a:t>
+              <a:t>IPC over Hyperlink - Simple Model </a:t>
             </a:r>
             <a:endParaRPr lang="en-US" sz="3600" dirty="0"/>
           </a:p>
@@ -21515,7 +21435,7 @@
           <a:graphicData uri="http://schemas.openxmlformats.org/presentationml/2006/ole">
             <mc:AlternateContent xmlns:mc="http://schemas.openxmlformats.org/markup-compatibility/2006">
               <mc:Choice xmlns:v="urn:schemas-microsoft-com:vml" Requires="v">
-                <p:oleObj spid="_x0000_s4107" name="Visio" r:id="rId3" imgW="6225484" imgH="5667443" progId="Visio.Drawing.11">
+                <p:oleObj spid="_x0000_s4109" name="Visio" r:id="rId3" imgW="6225484" imgH="5667443" progId="Visio.Drawing.11">
                   <p:embed/>
                 </p:oleObj>
               </mc:Choice>
@@ -21686,11 +21606,7 @@
             </a:pPr>
             <a:r>
               <a:rPr lang="en-US" dirty="0" smtClean="0"/>
-              <a:t>At the </a:t>
-            </a:r>
-            <a:r>
-              <a:rPr lang="en-US" dirty="0" smtClean="0"/>
-              <a:t>completion of the transfer the DSP send a message to the thread</a:t>
+              <a:t>At the completion of the transfer the DSP send a message to the thread</a:t>
             </a:r>
           </a:p>
           <a:p>
@@ -21702,7 +21618,6 @@
               <a:rPr lang="en-US" dirty="0" smtClean="0"/>
               <a:t>MPAX and Hyperlink configuration will be discuss later</a:t>
             </a:r>
-            <a:endParaRPr lang="en-US" dirty="0" smtClean="0"/>
           </a:p>
           <a:p>
             <a:pPr marL="342900" indent="-342900">
@@ -21734,7 +21649,7 @@
           <a:graphicData uri="http://schemas.openxmlformats.org/presentationml/2006/ole">
             <mc:AlternateContent xmlns:mc="http://schemas.openxmlformats.org/markup-compatibility/2006">
               <mc:Choice xmlns:v="urn:schemas-microsoft-com:vml" Requires="v">
-                <p:oleObj spid="_x0000_s6152" name="Visio" r:id="rId3" imgW="6225484" imgH="5667443" progId="Visio.Drawing.11">
+                <p:oleObj spid="_x0000_s6154" name="Visio" r:id="rId3" imgW="6225484" imgH="5667443" progId="Visio.Drawing.11">
                   <p:embed/>
                 </p:oleObj>
               </mc:Choice>
